--- a/JAVA 第二組.pptx
+++ b/JAVA 第二組.pptx
@@ -5138,12 +5138,22 @@
               <a:t>:</a:t>
             </a:r>
             <a:r>
-              <a:rPr kumimoji="0" lang="zh-TW" altLang="en-US" sz="4800" b="1" i="0" u="none" strike="noStrike" kern="1200" cap="none" spc="0" normalizeH="0" baseline="0" noProof="0" dirty="0">
+              <a:rPr lang="zh-TW" altLang="en-US" sz="4800" b="1">
+                <a:solidFill>
+                  <a:prstClr val="black"/>
+                </a:solidFill>
+                <a:latin typeface="新細明體" panose="02020500000000000000" pitchFamily="18" charset="-120"/>
+                <a:ea typeface="新細明體" panose="02020500000000000000" pitchFamily="18" charset="-120"/>
+              </a:rPr>
+              <a:t>售後服務</a:t>
+            </a:r>
+            <a:r>
+              <a:rPr kumimoji="0" lang="zh-TW" altLang="en-US" sz="4800" b="1" i="0" u="none" strike="noStrike" kern="1200" cap="none" spc="0" normalizeH="0" baseline="0" noProof="0">
                 <a:ln>
                   <a:noFill/>
                 </a:ln>
                 <a:solidFill>
-                  <a:prstClr val="black"/>
+                  <a:srgbClr val="000000"/>
                 </a:solidFill>
                 <a:effectLst/>
                 <a:uLnTx/>
@@ -5152,7 +5162,7 @@
                 <a:ea typeface="新細明體" panose="02020500000000000000" pitchFamily="18" charset="-120"/>
                 <a:cs typeface="+mj-cs"/>
               </a:rPr>
-              <a:t>負責</a:t>
+              <a:t>畫面</a:t>
             </a:r>
             <a:r>
               <a:rPr kumimoji="0" lang="zh-TW" altLang="en-US" sz="4800" b="1" i="0" u="none" strike="noStrike" kern="1200" cap="none" spc="0" normalizeH="0" baseline="0" noProof="0" dirty="0">
@@ -5169,7 +5179,7 @@
                 <a:ea typeface="新細明體" panose="02020500000000000000" pitchFamily="18" charset="-120"/>
                 <a:cs typeface="+mj-cs"/>
               </a:rPr>
-              <a:t>登入畫面前端設計，</a:t>
+              <a:t>前端設計，</a:t>
             </a:r>
             <a:r>
               <a:rPr kumimoji="0" lang="en-US" altLang="zh-TW" sz="4800" b="1" i="0" u="none" strike="noStrike" kern="1200" cap="none" spc="0" normalizeH="0" baseline="0" noProof="0" dirty="0">
